--- a/DeepKEGG.pptx
+++ b/DeepKEGG.pptx
@@ -3922,6 +3922,78 @@
           </a:prstGeom>
         </p:spPr>
       </p:pic>
+      <p:pic>
+        <p:nvPicPr>
+          <p:cNvPr id="8" name="图片 7"/>
+          <p:cNvPicPr>
+            <a:picLocks noChangeAspect="1"/>
+          </p:cNvPicPr>
+          <p:nvPr/>
+        </p:nvPicPr>
+        <p:blipFill>
+          <a:blip r:embed="rId6"/>
+          <a:stretch>
+            <a:fillRect/>
+          </a:stretch>
+        </p:blipFill>
+        <p:spPr>
+          <a:xfrm>
+            <a:off x="3929380" y="1589405"/>
+            <a:ext cx="1243330" cy="538480"/>
+          </a:xfrm>
+          <a:prstGeom prst="rect">
+            <a:avLst/>
+          </a:prstGeom>
+        </p:spPr>
+      </p:pic>
+      <p:pic>
+        <p:nvPicPr>
+          <p:cNvPr id="9" name="图片 8"/>
+          <p:cNvPicPr>
+            <a:picLocks noChangeAspect="1"/>
+          </p:cNvPicPr>
+          <p:nvPr/>
+        </p:nvPicPr>
+        <p:blipFill>
+          <a:blip r:embed="rId7"/>
+          <a:stretch>
+            <a:fillRect/>
+          </a:stretch>
+        </p:blipFill>
+        <p:spPr>
+          <a:xfrm>
+            <a:off x="6450965" y="1635125"/>
+            <a:ext cx="1139190" cy="351155"/>
+          </a:xfrm>
+          <a:prstGeom prst="rect">
+            <a:avLst/>
+          </a:prstGeom>
+        </p:spPr>
+      </p:pic>
+      <p:pic>
+        <p:nvPicPr>
+          <p:cNvPr id="10" name="图片 9"/>
+          <p:cNvPicPr>
+            <a:picLocks noChangeAspect="1"/>
+          </p:cNvPicPr>
+          <p:nvPr/>
+        </p:nvPicPr>
+        <p:blipFill>
+          <a:blip r:embed="rId8"/>
+          <a:stretch>
+            <a:fillRect/>
+          </a:stretch>
+        </p:blipFill>
+        <p:spPr>
+          <a:xfrm>
+            <a:off x="5412105" y="1685290"/>
+            <a:ext cx="903605" cy="293370"/>
+          </a:xfrm>
+          <a:prstGeom prst="rect">
+            <a:avLst/>
+          </a:prstGeom>
+        </p:spPr>
+      </p:pic>
     </p:spTree>
   </p:cSld>
   <p:clrMapOvr>
@@ -5251,8 +5323,8 @@
         </p:blipFill>
         <p:spPr>
           <a:xfrm>
-            <a:off x="852170" y="1273810"/>
-            <a:ext cx="7058660" cy="4086860"/>
+            <a:off x="560070" y="1273810"/>
+            <a:ext cx="7821930" cy="4528820"/>
           </a:xfrm>
           <a:prstGeom prst="rect">
             <a:avLst/>
@@ -10005,6 +10077,30 @@
           </a:p>
         </p:txBody>
       </p:sp>
+      <p:pic>
+        <p:nvPicPr>
+          <p:cNvPr id="2" name="图片 1"/>
+          <p:cNvPicPr>
+            <a:picLocks noChangeAspect="1"/>
+          </p:cNvPicPr>
+          <p:nvPr/>
+        </p:nvPicPr>
+        <p:blipFill>
+          <a:blip r:embed="rId6"/>
+          <a:stretch>
+            <a:fillRect/>
+          </a:stretch>
+        </p:blipFill>
+        <p:spPr>
+          <a:xfrm>
+            <a:off x="5788660" y="3265805"/>
+            <a:ext cx="1445895" cy="626110"/>
+          </a:xfrm>
+          <a:prstGeom prst="rect">
+            <a:avLst/>
+          </a:prstGeom>
+        </p:spPr>
+      </p:pic>
     </p:spTree>
   </p:cSld>
   <p:clrMapOvr>
